--- a/appunti/PP/Presentazione.pptx
+++ b/appunti/PP/Presentazione.pptx
@@ -128,15 +128,6 @@
     </p:ext>
   </p:extLst>
 </p:presentation>
-</file>
-
-<file path=ppt/revisionInfo.xml><?xml version="1.0" encoding="utf-8"?>
-<p1510:revInfo xmlns:a="http://schemas.openxmlformats.org/drawingml/2006/main" xmlns:r="http://schemas.openxmlformats.org/officeDocument/2006/relationships" xmlns:p1510="http://schemas.microsoft.com/office/powerpoint/2015/10/main">
-  <p1510:revLst>
-    <p1510:client id="{58F4B8D3-ADA1-3150-25DE-1B440F8F7013}" v="570" dt="2025-01-06T17:53:36.624"/>
-    <p1510:client id="{DC58E238-737C-E23A-3433-FC289C3FFF37}" v="1651" dt="2025-01-07T12:11:03.042"/>
-  </p1510:revLst>
-</p1510:revInfo>
 </file>
 
 <file path=ppt/diagrams/colors1.xml><?xml version="1.0" encoding="utf-8"?>
@@ -7885,9 +7876,13 @@
               <a:ea typeface="Calibri"/>
               <a:cs typeface="Calibri"/>
             </a:rPr>
-            <a:t>Gestione Magazzino</a:t>
+            <a:t>Gestione Tipo Aggiunta</a:t>
           </a:r>
-          <a:endParaRPr lang="it-IT" dirty="0"/>
+          <a:endParaRPr lang="it-IT" dirty="0">
+            <a:latin typeface="Sitka Subheading"/>
+            <a:ea typeface="Calibri"/>
+            <a:cs typeface="Calibri"/>
+          </a:endParaRPr>
         </a:p>
       </dgm:t>
     </dgm:pt>
@@ -8032,7 +8027,7 @@
               <a:ea typeface="Calibri"/>
               <a:cs typeface="Calibri"/>
             </a:rPr>
-            <a:t>Gestione Prenotazioni</a:t>
+            <a:t>Visualizza Prenotazioni</a:t>
           </a:r>
         </a:p>
       </dgm:t>
@@ -8095,6 +8090,60 @@
       <dgm:spPr/>
     </dgm:pt>
     <dgm:pt modelId="{AD8E75ED-58A5-4E65-BFC4-69A86CE349DB}" type="sibTrans" cxnId="{00E75485-61FE-4423-9C23-E276488F019B}">
+      <dgm:prSet/>
+      <dgm:spPr/>
+    </dgm:pt>
+    <dgm:pt modelId="{66C0E4DD-9DBF-4F6A-B80D-8C917B37373F}">
+      <dgm:prSet phldr="0"/>
+      <dgm:spPr/>
+      <dgm:t>
+        <a:bodyPr/>
+        <a:lstStyle/>
+        <a:p>
+          <a:pPr rtl="0"/>
+          <a:r>
+            <a:rPr lang="it-IT" dirty="0">
+              <a:latin typeface="Calibri"/>
+              <a:ea typeface="Calibri"/>
+              <a:cs typeface="Calibri"/>
+            </a:rPr>
+            <a:t>Gestione Aggiunta</a:t>
+          </a:r>
+        </a:p>
+      </dgm:t>
+    </dgm:pt>
+    <dgm:pt modelId="{0BE5461B-0AC8-4CA7-8D94-09BA2F4AF0B6}" type="parTrans" cxnId="{9D66C95F-4C1F-48FC-931F-19850233D0A3}">
+      <dgm:prSet/>
+      <dgm:spPr/>
+    </dgm:pt>
+    <dgm:pt modelId="{C0BCABF3-4E19-4617-8E32-6E1ED017D071}" type="sibTrans" cxnId="{9D66C95F-4C1F-48FC-931F-19850233D0A3}">
+      <dgm:prSet/>
+      <dgm:spPr/>
+    </dgm:pt>
+    <dgm:pt modelId="{E735D23F-1B5F-42DC-B642-8717F1F807C8}">
+      <dgm:prSet phldr="0"/>
+      <dgm:spPr/>
+      <dgm:t>
+        <a:bodyPr/>
+        <a:lstStyle/>
+        <a:p>
+          <a:pPr rtl="0"/>
+          <a:r>
+            <a:rPr lang="it-IT" dirty="0">
+              <a:latin typeface="Calibri"/>
+              <a:ea typeface="Calibri"/>
+              <a:cs typeface="Calibri"/>
+            </a:rPr>
+            <a:t>Visualizza Prenotazioni</a:t>
+          </a:r>
+        </a:p>
+      </dgm:t>
+    </dgm:pt>
+    <dgm:pt modelId="{71F4AD4D-F2B4-4369-B135-F536BD9C30AB}" type="parTrans" cxnId="{D7FE45F0-0BC2-46C5-967F-58A3E9499382}">
+      <dgm:prSet/>
+      <dgm:spPr/>
+    </dgm:pt>
+    <dgm:pt modelId="{52D4786F-4125-45C2-B0EC-8862AC9EAEED}" type="sibTrans" cxnId="{D7FE45F0-0BC2-46C5-967F-58A3E9499382}">
       <dgm:prSet/>
       <dgm:spPr/>
     </dgm:pt>
@@ -8202,38 +8251,42 @@
     </dgm:pt>
   </dgm:ptLst>
   <dgm:cxnLst>
-    <dgm:cxn modelId="{02973722-A231-4055-8C90-D74799389616}" type="presOf" srcId="{DD8027A6-6000-48B2-9DC0-5636391FF92D}" destId="{14272085-2731-4D4F-B69C-F30E021A8143}" srcOrd="0" destOrd="0" presId="urn:microsoft.com/office/officeart/2005/8/layout/vList6"/>
     <dgm:cxn modelId="{03AC1326-C933-41E6-9338-F1BA6FA2BD47}" type="presOf" srcId="{0DBC1BC5-F5DD-429C-B5B9-EA1B5B74E02B}" destId="{00DCE550-DCF8-4E75-B197-8727931A6944}" srcOrd="0" destOrd="0" presId="urn:microsoft.com/office/officeart/2005/8/layout/vList6"/>
-    <dgm:cxn modelId="{B5016277-96A5-4C49-A778-5D07F6296682}" type="presOf" srcId="{DEBBF31F-8C9E-4D2F-B68E-A7C07E67F79D}" destId="{7E79953C-E516-4DA5-87D3-82968CEA85CF}" srcOrd="0" destOrd="0" presId="urn:microsoft.com/office/officeart/2005/8/layout/vList6"/>
-    <dgm:cxn modelId="{D6580480-CD3A-4793-9588-5377944F4249}" type="presOf" srcId="{705A110C-AED2-42D9-B5F0-E1F7ADB1AFE0}" destId="{F55FB5D6-2D01-4A60-B38C-CCD238A4BE6A}" srcOrd="0" destOrd="0" presId="urn:microsoft.com/office/officeart/2005/8/layout/vList6"/>
+    <dgm:cxn modelId="{0668E636-F939-4100-ACCB-9283D5806B0B}" type="presOf" srcId="{E735D23F-1B5F-42DC-B642-8717F1F807C8}" destId="{1E3CB61B-1580-44DF-B59B-D8F7913F87D0}" srcOrd="0" destOrd="0" presId="urn:microsoft.com/office/officeart/2005/8/layout/vList6"/>
+    <dgm:cxn modelId="{EA86513C-0BB0-4DAF-992F-24E2D449AD23}" type="presOf" srcId="{C488CDA4-030C-46FE-B812-1D8AB6644A0E}" destId="{1E3CB61B-1580-44DF-B59B-D8F7913F87D0}" srcOrd="0" destOrd="1" presId="urn:microsoft.com/office/officeart/2005/8/layout/vList6"/>
+    <dgm:cxn modelId="{BCA08F5C-8523-4EAB-9070-61A9573689DD}" type="presOf" srcId="{705A110C-AED2-42D9-B5F0-E1F7ADB1AFE0}" destId="{F55FB5D6-2D01-4A60-B38C-CCD238A4BE6A}" srcOrd="0" destOrd="0" presId="urn:microsoft.com/office/officeart/2005/8/layout/vList6"/>
+    <dgm:cxn modelId="{9D66C95F-4C1F-48FC-931F-19850233D0A3}" srcId="{251CBF8F-A3B3-4497-B72B-DD930A428E47}" destId="{66C0E4DD-9DBF-4F6A-B80D-8C917B37373F}" srcOrd="1" destOrd="0" parTransId="{0BE5461B-0AC8-4CA7-8D94-09BA2F4AF0B6}" sibTransId="{C0BCABF3-4E19-4617-8E32-6E1ED017D071}"/>
+    <dgm:cxn modelId="{E3A37061-06B0-4AF6-B9D9-278B77ED31BC}" type="presOf" srcId="{251CBF8F-A3B3-4497-B72B-DD930A428E47}" destId="{32693E1F-C828-4AE8-8F27-F78AD5840A8F}" srcOrd="0" destOrd="0" presId="urn:microsoft.com/office/officeart/2005/8/layout/vList6"/>
+    <dgm:cxn modelId="{CAB38E41-FC07-4B15-B549-0CFEFB963985}" type="presOf" srcId="{DEBBF31F-8C9E-4D2F-B68E-A7C07E67F79D}" destId="{7E79953C-E516-4DA5-87D3-82968CEA85CF}" srcOrd="0" destOrd="0" presId="urn:microsoft.com/office/officeart/2005/8/layout/vList6"/>
+    <dgm:cxn modelId="{3920754C-7FAC-4871-8A1A-0A819603451E}" type="presOf" srcId="{DD8027A6-6000-48B2-9DC0-5636391FF92D}" destId="{14272085-2731-4D4F-B69C-F30E021A8143}" srcOrd="0" destOrd="0" presId="urn:microsoft.com/office/officeart/2005/8/layout/vList6"/>
+    <dgm:cxn modelId="{DD74816C-EEA3-4531-A6AD-D9537938327B}" type="presOf" srcId="{C57A78BD-216C-47E5-8A91-9CB766F7F645}" destId="{1D9928F9-1D55-41B1-8A88-2206864FBCC2}" srcOrd="0" destOrd="0" presId="urn:microsoft.com/office/officeart/2005/8/layout/vList6"/>
     <dgm:cxn modelId="{00E75485-61FE-4423-9C23-E276488F019B}" srcId="{0DBC1BC5-F5DD-429C-B5B9-EA1B5B74E02B}" destId="{DEBBF31F-8C9E-4D2F-B68E-A7C07E67F79D}" srcOrd="3" destOrd="0" parTransId="{9B050DD5-6669-4B49-A4E8-EEE12E4DBAC0}" sibTransId="{AD8E75ED-58A5-4E65-BFC4-69A86CE349DB}"/>
-    <dgm:cxn modelId="{CE443890-4BA3-4ACB-964C-28724532115E}" type="presOf" srcId="{9AE58058-68A6-4598-BB0B-B1594C5FA7EF}" destId="{B0AF2FD9-DD9E-4499-9ABC-6BA9E8C58393}" srcOrd="0" destOrd="0" presId="urn:microsoft.com/office/officeart/2005/8/layout/vList6"/>
     <dgm:cxn modelId="{3ED906A4-0CFB-4ED4-98AD-50EF51654193}" srcId="{251CBF8F-A3B3-4497-B72B-DD930A428E47}" destId="{9AE58058-68A6-4598-BB0B-B1594C5FA7EF}" srcOrd="0" destOrd="0" parTransId="{A1600F5A-94F0-4D55-9875-03D75431688A}" sibTransId="{891266E6-7EA4-484B-9A2F-96F293EEF2A0}"/>
     <dgm:cxn modelId="{C1237BA5-583D-4009-8E0E-74ADF4DCD6FA}" srcId="{DD8027A6-6000-48B2-9DC0-5636391FF92D}" destId="{C57A78BD-216C-47E5-8A91-9CB766F7F645}" srcOrd="0" destOrd="0" parTransId="{20224C95-4443-4978-9CFF-6784331CA652}" sibTransId="{E1CCBE0A-250E-4CDD-85C9-6D4AFAD18C2B}"/>
     <dgm:cxn modelId="{B29028A8-2D64-4D5C-A22A-BBC3EDE92F17}" srcId="{0DBC1BC5-F5DD-429C-B5B9-EA1B5B74E02B}" destId="{251CBF8F-A3B3-4497-B72B-DD930A428E47}" srcOrd="0" destOrd="0" parTransId="{5AC0E374-2364-43FC-AAC4-A5C35C2C80A0}" sibTransId="{26221984-37D3-4FC0-9C7B-303C829C45C6}"/>
+    <dgm:cxn modelId="{6874E0AB-7687-4DAD-82AA-430DF3E2EFCE}" type="presOf" srcId="{9AE58058-68A6-4598-BB0B-B1594C5FA7EF}" destId="{B0AF2FD9-DD9E-4499-9ABC-6BA9E8C58393}" srcOrd="0" destOrd="0" presId="urn:microsoft.com/office/officeart/2005/8/layout/vList6"/>
     <dgm:cxn modelId="{E1A7B7AF-83DE-4FF9-9252-CF0328C662DE}" srcId="{0DBC1BC5-F5DD-429C-B5B9-EA1B5B74E02B}" destId="{DD8027A6-6000-48B2-9DC0-5636391FF92D}" srcOrd="1" destOrd="0" parTransId="{A25871F8-5930-447F-9A22-1A15F65094AB}" sibTransId="{3A0BFDEE-3B18-4378-8E4A-24E69ED72B5A}"/>
-    <dgm:cxn modelId="{F08900B0-4A3D-4682-A7CC-1AFDA7F2E82B}" type="presOf" srcId="{C57A78BD-216C-47E5-8A91-9CB766F7F645}" destId="{1D9928F9-1D55-41B1-8A88-2206864FBCC2}" srcOrd="0" destOrd="0" presId="urn:microsoft.com/office/officeart/2005/8/layout/vList6"/>
     <dgm:cxn modelId="{FBE02BB1-ADAE-4C9D-BC1E-CE49690B2111}" srcId="{0DBC1BC5-F5DD-429C-B5B9-EA1B5B74E02B}" destId="{D8D8562C-E20D-4641-B56F-F5158285D633}" srcOrd="2" destOrd="0" parTransId="{3690D3CD-FB6E-45A3-8C2B-269897FA86B9}" sibTransId="{E68FE9B0-36FE-4482-B5A8-552E384405ED}"/>
-    <dgm:cxn modelId="{3D974DCB-51B3-47E5-928E-0451C4B2C581}" type="presOf" srcId="{251CBF8F-A3B3-4497-B72B-DD930A428E47}" destId="{32693E1F-C828-4AE8-8F27-F78AD5840A8F}" srcOrd="0" destOrd="0" presId="urn:microsoft.com/office/officeart/2005/8/layout/vList6"/>
-    <dgm:cxn modelId="{639D38D0-D68F-4615-9B80-85E0D5003EA6}" type="presOf" srcId="{D8D8562C-E20D-4641-B56F-F5158285D633}" destId="{3C1AE9D9-D017-4867-B637-086B38C728DF}" srcOrd="0" destOrd="0" presId="urn:microsoft.com/office/officeart/2005/8/layout/vList6"/>
-    <dgm:cxn modelId="{52F208D9-E003-48FE-B91D-A0F4FA36B6E6}" type="presOf" srcId="{C488CDA4-030C-46FE-B812-1D8AB6644A0E}" destId="{1E3CB61B-1580-44DF-B59B-D8F7913F87D0}" srcOrd="0" destOrd="0" presId="urn:microsoft.com/office/officeart/2005/8/layout/vList6"/>
+    <dgm:cxn modelId="{70E1D2C9-704D-4DE4-91F8-3769E1C190E9}" type="presOf" srcId="{D8D8562C-E20D-4641-B56F-F5158285D633}" destId="{3C1AE9D9-D017-4867-B637-086B38C728DF}" srcOrd="0" destOrd="0" presId="urn:microsoft.com/office/officeart/2005/8/layout/vList6"/>
     <dgm:cxn modelId="{ADEC75E0-2D25-4CB6-91DC-EF322232ECBF}" srcId="{DEBBF31F-8C9E-4D2F-B68E-A7C07E67F79D}" destId="{705A110C-AED2-42D9-B5F0-E1F7ADB1AFE0}" srcOrd="0" destOrd="0" parTransId="{06C75F2E-88FC-4670-A020-5A695717321C}" sibTransId="{E2B4DC7A-4812-45E4-AA8F-97DB7D823932}"/>
-    <dgm:cxn modelId="{118534E1-1D87-44B6-9D61-8DB17305DDFE}" srcId="{D8D8562C-E20D-4641-B56F-F5158285D633}" destId="{C488CDA4-030C-46FE-B812-1D8AB6644A0E}" srcOrd="0" destOrd="0" parTransId="{930390AD-4D15-4184-864F-D047276AE4F1}" sibTransId="{BBE83170-70D9-40EF-A279-633C37BE6BCC}"/>
-    <dgm:cxn modelId="{7BCE7C8B-12D1-4B7C-9FF6-EF2645A3E900}" type="presParOf" srcId="{00DCE550-DCF8-4E75-B197-8727931A6944}" destId="{D28702BF-7614-4523-93AE-42DD5F23E6D1}" srcOrd="0" destOrd="0" presId="urn:microsoft.com/office/officeart/2005/8/layout/vList6"/>
-    <dgm:cxn modelId="{F80B7FB5-82FF-420D-A928-C3B0212CDC96}" type="presParOf" srcId="{D28702BF-7614-4523-93AE-42DD5F23E6D1}" destId="{32693E1F-C828-4AE8-8F27-F78AD5840A8F}" srcOrd="0" destOrd="0" presId="urn:microsoft.com/office/officeart/2005/8/layout/vList6"/>
-    <dgm:cxn modelId="{22E53F98-3DCE-4E9F-841E-36A6CEB47164}" type="presParOf" srcId="{D28702BF-7614-4523-93AE-42DD5F23E6D1}" destId="{B0AF2FD9-DD9E-4499-9ABC-6BA9E8C58393}" srcOrd="1" destOrd="0" presId="urn:microsoft.com/office/officeart/2005/8/layout/vList6"/>
-    <dgm:cxn modelId="{CD045F20-03C0-4F93-A6A2-1792724B7BC9}" type="presParOf" srcId="{00DCE550-DCF8-4E75-B197-8727931A6944}" destId="{5A546DE0-ABEA-4330-854B-81CCB2FC2F85}" srcOrd="1" destOrd="0" presId="urn:microsoft.com/office/officeart/2005/8/layout/vList6"/>
-    <dgm:cxn modelId="{9CE36E45-19C4-41C5-BF6C-F5DFF9F375D2}" type="presParOf" srcId="{00DCE550-DCF8-4E75-B197-8727931A6944}" destId="{5840A116-91BD-46EB-8CA8-6627BF4E3194}" srcOrd="2" destOrd="0" presId="urn:microsoft.com/office/officeart/2005/8/layout/vList6"/>
-    <dgm:cxn modelId="{EEF3FDA5-E78F-44E0-8205-6FA9B5E258D9}" type="presParOf" srcId="{5840A116-91BD-46EB-8CA8-6627BF4E3194}" destId="{14272085-2731-4D4F-B69C-F30E021A8143}" srcOrd="0" destOrd="0" presId="urn:microsoft.com/office/officeart/2005/8/layout/vList6"/>
-    <dgm:cxn modelId="{B40A4199-9742-4545-9682-32CDA9FB4A11}" type="presParOf" srcId="{5840A116-91BD-46EB-8CA8-6627BF4E3194}" destId="{1D9928F9-1D55-41B1-8A88-2206864FBCC2}" srcOrd="1" destOrd="0" presId="urn:microsoft.com/office/officeart/2005/8/layout/vList6"/>
-    <dgm:cxn modelId="{A9973B40-9685-4366-8737-FC498679FDFB}" type="presParOf" srcId="{00DCE550-DCF8-4E75-B197-8727931A6944}" destId="{8D2585C0-6D8F-4510-8778-C4EDAE638CDD}" srcOrd="3" destOrd="0" presId="urn:microsoft.com/office/officeart/2005/8/layout/vList6"/>
-    <dgm:cxn modelId="{B0EDF3DE-0E1D-4E4A-84E2-B383CC9A416C}" type="presParOf" srcId="{00DCE550-DCF8-4E75-B197-8727931A6944}" destId="{71F970D7-A017-4BCB-A75C-0F7FED0840D3}" srcOrd="4" destOrd="0" presId="urn:microsoft.com/office/officeart/2005/8/layout/vList6"/>
-    <dgm:cxn modelId="{CD33A9C1-73C9-4141-994B-53EB1920B27B}" type="presParOf" srcId="{71F970D7-A017-4BCB-A75C-0F7FED0840D3}" destId="{3C1AE9D9-D017-4867-B637-086B38C728DF}" srcOrd="0" destOrd="0" presId="urn:microsoft.com/office/officeart/2005/8/layout/vList6"/>
-    <dgm:cxn modelId="{57CCD947-7A86-4A5D-872B-20988DA9B14A}" type="presParOf" srcId="{71F970D7-A017-4BCB-A75C-0F7FED0840D3}" destId="{1E3CB61B-1580-44DF-B59B-D8F7913F87D0}" srcOrd="1" destOrd="0" presId="urn:microsoft.com/office/officeart/2005/8/layout/vList6"/>
-    <dgm:cxn modelId="{CE3496E7-9B98-4F3C-A364-83E8479D67BE}" type="presParOf" srcId="{00DCE550-DCF8-4E75-B197-8727931A6944}" destId="{B9A6E8CB-B6D8-4725-B66E-DCA645D3DF39}" srcOrd="5" destOrd="0" presId="urn:microsoft.com/office/officeart/2005/8/layout/vList6"/>
-    <dgm:cxn modelId="{921C4301-A946-4F16-8FA4-12C0F36D7E8F}" type="presParOf" srcId="{00DCE550-DCF8-4E75-B197-8727931A6944}" destId="{A4D5A3F8-E564-438C-B4BD-DC69F20A6693}" srcOrd="6" destOrd="0" presId="urn:microsoft.com/office/officeart/2005/8/layout/vList6"/>
-    <dgm:cxn modelId="{510AE557-B123-45BE-962F-FD9134F13006}" type="presParOf" srcId="{A4D5A3F8-E564-438C-B4BD-DC69F20A6693}" destId="{7E79953C-E516-4DA5-87D3-82968CEA85CF}" srcOrd="0" destOrd="0" presId="urn:microsoft.com/office/officeart/2005/8/layout/vList6"/>
-    <dgm:cxn modelId="{1F628FD5-01C6-4C93-B751-2559D33D623F}" type="presParOf" srcId="{A4D5A3F8-E564-438C-B4BD-DC69F20A6693}" destId="{F55FB5D6-2D01-4A60-B38C-CCD238A4BE6A}" srcOrd="1" destOrd="0" presId="urn:microsoft.com/office/officeart/2005/8/layout/vList6"/>
+    <dgm:cxn modelId="{118534E1-1D87-44B6-9D61-8DB17305DDFE}" srcId="{D8D8562C-E20D-4641-B56F-F5158285D633}" destId="{C488CDA4-030C-46FE-B812-1D8AB6644A0E}" srcOrd="1" destOrd="0" parTransId="{930390AD-4D15-4184-864F-D047276AE4F1}" sibTransId="{BBE83170-70D9-40EF-A279-633C37BE6BCC}"/>
+    <dgm:cxn modelId="{9A1B22EB-2024-4E74-9C0E-FEE581B30999}" type="presOf" srcId="{66C0E4DD-9DBF-4F6A-B80D-8C917B37373F}" destId="{B0AF2FD9-DD9E-4499-9ABC-6BA9E8C58393}" srcOrd="0" destOrd="1" presId="urn:microsoft.com/office/officeart/2005/8/layout/vList6"/>
+    <dgm:cxn modelId="{D7FE45F0-0BC2-46C5-967F-58A3E9499382}" srcId="{D8D8562C-E20D-4641-B56F-F5158285D633}" destId="{E735D23F-1B5F-42DC-B642-8717F1F807C8}" srcOrd="0" destOrd="0" parTransId="{71F4AD4D-F2B4-4369-B135-F536BD9C30AB}" sibTransId="{52D4786F-4125-45C2-B0EC-8862AC9EAEED}"/>
+    <dgm:cxn modelId="{E0DF944B-EBF8-4CB9-970D-A3B31750FDA4}" type="presParOf" srcId="{00DCE550-DCF8-4E75-B197-8727931A6944}" destId="{D28702BF-7614-4523-93AE-42DD5F23E6D1}" srcOrd="0" destOrd="0" presId="urn:microsoft.com/office/officeart/2005/8/layout/vList6"/>
+    <dgm:cxn modelId="{670BDA76-59D6-4E6D-B0E5-F79A00E5CC6B}" type="presParOf" srcId="{D28702BF-7614-4523-93AE-42DD5F23E6D1}" destId="{32693E1F-C828-4AE8-8F27-F78AD5840A8F}" srcOrd="0" destOrd="0" presId="urn:microsoft.com/office/officeart/2005/8/layout/vList6"/>
+    <dgm:cxn modelId="{CCE8CF00-A4A6-4D24-9F58-A70E6A634CBA}" type="presParOf" srcId="{D28702BF-7614-4523-93AE-42DD5F23E6D1}" destId="{B0AF2FD9-DD9E-4499-9ABC-6BA9E8C58393}" srcOrd="1" destOrd="0" presId="urn:microsoft.com/office/officeart/2005/8/layout/vList6"/>
+    <dgm:cxn modelId="{D799FE6C-FBED-4CFE-8F34-04054DB1AD46}" type="presParOf" srcId="{00DCE550-DCF8-4E75-B197-8727931A6944}" destId="{5A546DE0-ABEA-4330-854B-81CCB2FC2F85}" srcOrd="1" destOrd="0" presId="urn:microsoft.com/office/officeart/2005/8/layout/vList6"/>
+    <dgm:cxn modelId="{5C40E016-5BBF-44EB-B036-E11483B4004A}" type="presParOf" srcId="{00DCE550-DCF8-4E75-B197-8727931A6944}" destId="{5840A116-91BD-46EB-8CA8-6627BF4E3194}" srcOrd="2" destOrd="0" presId="urn:microsoft.com/office/officeart/2005/8/layout/vList6"/>
+    <dgm:cxn modelId="{D302173F-A371-43E7-A1E9-777A0A988AAF}" type="presParOf" srcId="{5840A116-91BD-46EB-8CA8-6627BF4E3194}" destId="{14272085-2731-4D4F-B69C-F30E021A8143}" srcOrd="0" destOrd="0" presId="urn:microsoft.com/office/officeart/2005/8/layout/vList6"/>
+    <dgm:cxn modelId="{C639D856-BE03-4641-93F7-32B8687BF5B9}" type="presParOf" srcId="{5840A116-91BD-46EB-8CA8-6627BF4E3194}" destId="{1D9928F9-1D55-41B1-8A88-2206864FBCC2}" srcOrd="1" destOrd="0" presId="urn:microsoft.com/office/officeart/2005/8/layout/vList6"/>
+    <dgm:cxn modelId="{1CC555F0-B9FA-4DD3-A972-C51AEC0B8957}" type="presParOf" srcId="{00DCE550-DCF8-4E75-B197-8727931A6944}" destId="{8D2585C0-6D8F-4510-8778-C4EDAE638CDD}" srcOrd="3" destOrd="0" presId="urn:microsoft.com/office/officeart/2005/8/layout/vList6"/>
+    <dgm:cxn modelId="{990D1EEE-967D-4A14-A683-41F68E1BD6D4}" type="presParOf" srcId="{00DCE550-DCF8-4E75-B197-8727931A6944}" destId="{71F970D7-A017-4BCB-A75C-0F7FED0840D3}" srcOrd="4" destOrd="0" presId="urn:microsoft.com/office/officeart/2005/8/layout/vList6"/>
+    <dgm:cxn modelId="{05F9BC02-686F-4A84-B5B9-37DB42F2AB30}" type="presParOf" srcId="{71F970D7-A017-4BCB-A75C-0F7FED0840D3}" destId="{3C1AE9D9-D017-4867-B637-086B38C728DF}" srcOrd="0" destOrd="0" presId="urn:microsoft.com/office/officeart/2005/8/layout/vList6"/>
+    <dgm:cxn modelId="{CCB3A07D-2566-4103-97CD-885BBCBC14C3}" type="presParOf" srcId="{71F970D7-A017-4BCB-A75C-0F7FED0840D3}" destId="{1E3CB61B-1580-44DF-B59B-D8F7913F87D0}" srcOrd="1" destOrd="0" presId="urn:microsoft.com/office/officeart/2005/8/layout/vList6"/>
+    <dgm:cxn modelId="{BAA6320D-B77C-492E-8D52-D940B0B5FEC8}" type="presParOf" srcId="{00DCE550-DCF8-4E75-B197-8727931A6944}" destId="{B9A6E8CB-B6D8-4725-B66E-DCA645D3DF39}" srcOrd="5" destOrd="0" presId="urn:microsoft.com/office/officeart/2005/8/layout/vList6"/>
+    <dgm:cxn modelId="{77CEBB1F-DD4A-48E1-BE72-6FA9D28263FD}" type="presParOf" srcId="{00DCE550-DCF8-4E75-B197-8727931A6944}" destId="{A4D5A3F8-E564-438C-B4BD-DC69F20A6693}" srcOrd="6" destOrd="0" presId="urn:microsoft.com/office/officeart/2005/8/layout/vList6"/>
+    <dgm:cxn modelId="{13DB08D1-B8FE-4DA3-BB6D-A9D9A9853089}" type="presParOf" srcId="{A4D5A3F8-E564-438C-B4BD-DC69F20A6693}" destId="{7E79953C-E516-4DA5-87D3-82968CEA85CF}" srcOrd="0" destOrd="0" presId="urn:microsoft.com/office/officeart/2005/8/layout/vList6"/>
+    <dgm:cxn modelId="{908B6D59-8AB2-4AB5-BC5B-3A9C476EE12E}" type="presParOf" srcId="{A4D5A3F8-E564-438C-B4BD-DC69F20A6693}" destId="{F55FB5D6-2D01-4A60-B38C-CCD238A4BE6A}" srcOrd="1" destOrd="0" presId="urn:microsoft.com/office/officeart/2005/8/layout/vList6"/>
   </dgm:cxnLst>
   <dgm:bg/>
   <dgm:whole/>
@@ -11741,12 +11794,12 @@
         <a:fontRef idx="minor"/>
       </dsp:style>
       <dsp:txBody>
-        <a:bodyPr spcFirstLastPara="0" vert="horz" wrap="square" lIns="15875" tIns="15875" rIns="15875" bIns="15875" numCol="1" spcCol="1270" anchor="t" anchorCtr="0">
+        <a:bodyPr spcFirstLastPara="0" vert="horz" wrap="square" lIns="13970" tIns="13970" rIns="13970" bIns="13970" numCol="1" spcCol="1270" anchor="t" anchorCtr="0">
           <a:noAutofit/>
         </a:bodyPr>
         <a:lstStyle/>
         <a:p>
-          <a:pPr marL="228600" lvl="1" indent="-228600" algn="l" defTabSz="1111250" rtl="0">
+          <a:pPr marL="228600" lvl="1" indent="-228600" algn="l" defTabSz="977900" rtl="0">
             <a:lnSpc>
               <a:spcPct val="90000"/>
             </a:lnSpc>
@@ -11759,14 +11812,40 @@
             <a:buChar char="•"/>
           </a:pPr>
           <a:r>
-            <a:rPr lang="it-IT" sz="2500" kern="1200" dirty="0">
+            <a:rPr lang="it-IT" sz="2200" kern="1200" dirty="0">
               <a:latin typeface="Calibri"/>
               <a:ea typeface="Calibri"/>
               <a:cs typeface="Calibri"/>
             </a:rPr>
-            <a:t>Gestione Magazzino</a:t>
+            <a:t>Gestione Tipo Aggiunta</a:t>
           </a:r>
-          <a:endParaRPr lang="it-IT" sz="2500" kern="1200" dirty="0"/>
+          <a:endParaRPr lang="it-IT" sz="2200" kern="1200" dirty="0">
+            <a:latin typeface="Sitka Subheading"/>
+            <a:ea typeface="Calibri"/>
+            <a:cs typeface="Calibri"/>
+          </a:endParaRPr>
+        </a:p>
+        <a:p>
+          <a:pPr marL="228600" lvl="1" indent="-228600" algn="l" defTabSz="977900" rtl="0">
+            <a:lnSpc>
+              <a:spcPct val="90000"/>
+            </a:lnSpc>
+            <a:spcBef>
+              <a:spcPct val="0"/>
+            </a:spcBef>
+            <a:spcAft>
+              <a:spcPct val="15000"/>
+            </a:spcAft>
+            <a:buChar char="•"/>
+          </a:pPr>
+          <a:r>
+            <a:rPr lang="it-IT" sz="2200" kern="1200" dirty="0">
+              <a:latin typeface="Calibri"/>
+              <a:ea typeface="Calibri"/>
+              <a:cs typeface="Calibri"/>
+            </a:rPr>
+            <a:t>Gestione Aggiunta</a:t>
+          </a:r>
         </a:p>
       </dsp:txBody>
       <dsp:txXfrm>
@@ -11952,12 +12031,12 @@
         <a:fontRef idx="minor"/>
       </dsp:style>
       <dsp:txBody>
-        <a:bodyPr spcFirstLastPara="0" vert="horz" wrap="square" lIns="15875" tIns="15875" rIns="15875" bIns="15875" numCol="1" spcCol="1270" anchor="t" anchorCtr="0">
+        <a:bodyPr spcFirstLastPara="0" vert="horz" wrap="square" lIns="13970" tIns="13970" rIns="13970" bIns="13970" numCol="1" spcCol="1270" anchor="t" anchorCtr="0">
           <a:noAutofit/>
         </a:bodyPr>
         <a:lstStyle/>
         <a:p>
-          <a:pPr marL="228600" lvl="1" indent="-228600" algn="l" defTabSz="1111250" rtl="0">
+          <a:pPr marL="228600" lvl="1" indent="-228600" algn="l" defTabSz="977900" rtl="0">
             <a:lnSpc>
               <a:spcPct val="90000"/>
             </a:lnSpc>
@@ -11970,12 +12049,12 @@
             <a:buChar char="•"/>
           </a:pPr>
           <a:r>
-            <a:rPr lang="it-IT" sz="2500" kern="1200" dirty="0">
+            <a:rPr lang="it-IT" sz="2200" kern="1200" dirty="0">
               <a:latin typeface="Calibri"/>
               <a:ea typeface="Calibri"/>
               <a:cs typeface="Calibri"/>
             </a:rPr>
-            <a:t>Gestione Prenotazioni</a:t>
+            <a:t>Visualizza Prenotazioni</a:t>
           </a:r>
         </a:p>
       </dsp:txBody>
@@ -12162,12 +12241,12 @@
         <a:fontRef idx="minor"/>
       </dsp:style>
       <dsp:txBody>
-        <a:bodyPr spcFirstLastPara="0" vert="horz" wrap="square" lIns="15875" tIns="15875" rIns="15875" bIns="15875" numCol="1" spcCol="1270" anchor="t" anchorCtr="0">
+        <a:bodyPr spcFirstLastPara="0" vert="horz" wrap="square" lIns="13970" tIns="13970" rIns="13970" bIns="13970" numCol="1" spcCol="1270" anchor="t" anchorCtr="0">
           <a:noAutofit/>
         </a:bodyPr>
         <a:lstStyle/>
         <a:p>
-          <a:pPr marL="228600" lvl="1" indent="-228600" algn="l" defTabSz="1111250" rtl="0">
+          <a:pPr marL="228600" lvl="1" indent="-228600" algn="l" defTabSz="977900" rtl="0">
             <a:lnSpc>
               <a:spcPct val="90000"/>
             </a:lnSpc>
@@ -12180,7 +12259,29 @@
             <a:buChar char="•"/>
           </a:pPr>
           <a:r>
-            <a:rPr lang="it-IT" sz="2500" kern="1200" dirty="0">
+            <a:rPr lang="it-IT" sz="2200" kern="1200" dirty="0">
+              <a:latin typeface="Calibri"/>
+              <a:ea typeface="Calibri"/>
+              <a:cs typeface="Calibri"/>
+            </a:rPr>
+            <a:t>Visualizza Prenotazioni</a:t>
+          </a:r>
+        </a:p>
+        <a:p>
+          <a:pPr marL="228600" lvl="1" indent="-228600" algn="l" defTabSz="977900" rtl="0">
+            <a:lnSpc>
+              <a:spcPct val="90000"/>
+            </a:lnSpc>
+            <a:spcBef>
+              <a:spcPct val="0"/>
+            </a:spcBef>
+            <a:spcAft>
+              <a:spcPct val="15000"/>
+            </a:spcAft>
+            <a:buChar char="•"/>
+          </a:pPr>
+          <a:r>
+            <a:rPr lang="it-IT" sz="2200" kern="1200" dirty="0">
               <a:latin typeface="Calibri"/>
               <a:ea typeface="Calibri"/>
               <a:cs typeface="Calibri"/>
@@ -12372,12 +12473,12 @@
         <a:fontRef idx="minor"/>
       </dsp:style>
       <dsp:txBody>
-        <a:bodyPr spcFirstLastPara="0" vert="horz" wrap="square" lIns="15875" tIns="15875" rIns="15875" bIns="15875" numCol="1" spcCol="1270" anchor="t" anchorCtr="0">
+        <a:bodyPr spcFirstLastPara="0" vert="horz" wrap="square" lIns="13970" tIns="13970" rIns="13970" bIns="13970" numCol="1" spcCol="1270" anchor="t" anchorCtr="0">
           <a:noAutofit/>
         </a:bodyPr>
         <a:lstStyle/>
         <a:p>
-          <a:pPr marL="228600" lvl="1" indent="-228600" algn="l" defTabSz="1111250" rtl="0">
+          <a:pPr marL="228600" lvl="1" indent="-228600" algn="l" defTabSz="977900" rtl="0">
             <a:lnSpc>
               <a:spcPct val="90000"/>
             </a:lnSpc>
@@ -12390,14 +12491,14 @@
             <a:buChar char="•"/>
           </a:pPr>
           <a:r>
-            <a:rPr lang="it-IT" sz="2500" kern="1200" dirty="0">
+            <a:rPr lang="it-IT" sz="2200" kern="1200" dirty="0">
               <a:latin typeface="Calibri"/>
               <a:ea typeface="Calibri"/>
               <a:cs typeface="Calibri"/>
             </a:rPr>
             <a:t>Gestione Allergeni</a:t>
           </a:r>
-          <a:endParaRPr lang="en-US" sz="2500" kern="1200" dirty="0">
+          <a:endParaRPr lang="en-US" sz="2200" kern="1200" dirty="0">
             <a:latin typeface="Calibri"/>
             <a:ea typeface="Calibri"/>
             <a:cs typeface="Calibri"/>
@@ -24211,7 +24312,7 @@
           <a:p>
             <a:fld id="{76969C88-B244-455D-A017-012B25B1ACDD}" type="datetimeFigureOut">
               <a:rPr lang="en-US" smtClean="0"/>
-              <a:t>1/8/2025</a:t>
+              <a:t>1/17/2025</a:t>
             </a:fld>
             <a:endParaRPr lang="en-US"/>
           </a:p>
@@ -24409,7 +24510,7 @@
           <a:p>
             <a:fld id="{76969C88-B244-455D-A017-012B25B1ACDD}" type="datetimeFigureOut">
               <a:rPr lang="en-US" smtClean="0"/>
-              <a:t>1/8/2025</a:t>
+              <a:t>1/17/2025</a:t>
             </a:fld>
             <a:endParaRPr lang="en-US"/>
           </a:p>
@@ -24617,7 +24718,7 @@
           <a:p>
             <a:fld id="{76969C88-B244-455D-A017-012B25B1ACDD}" type="datetimeFigureOut">
               <a:rPr lang="en-US" smtClean="0"/>
-              <a:t>1/8/2025</a:t>
+              <a:t>1/17/2025</a:t>
             </a:fld>
             <a:endParaRPr lang="en-US"/>
           </a:p>
@@ -24816,7 +24917,7 @@
           <a:p>
             <a:fld id="{76969C88-B244-455D-A017-012B25B1ACDD}" type="datetimeFigureOut">
               <a:rPr lang="en-US" smtClean="0"/>
-              <a:t>1/8/2025</a:t>
+              <a:t>1/17/2025</a:t>
             </a:fld>
             <a:endParaRPr lang="en-US"/>
           </a:p>
@@ -25091,7 +25192,7 @@
           <a:p>
             <a:fld id="{76969C88-B244-455D-A017-012B25B1ACDD}" type="datetimeFigureOut">
               <a:rPr lang="en-US" smtClean="0"/>
-              <a:t>1/8/2025</a:t>
+              <a:t>1/17/2025</a:t>
             </a:fld>
             <a:endParaRPr lang="en-US"/>
           </a:p>
@@ -25356,7 +25457,7 @@
           <a:p>
             <a:fld id="{76969C88-B244-455D-A017-012B25B1ACDD}" type="datetimeFigureOut">
               <a:rPr lang="en-US" smtClean="0"/>
-              <a:t>1/8/2025</a:t>
+              <a:t>1/17/2025</a:t>
             </a:fld>
             <a:endParaRPr lang="en-US"/>
           </a:p>
@@ -25768,7 +25869,7 @@
           <a:p>
             <a:fld id="{76969C88-B244-455D-A017-012B25B1ACDD}" type="datetimeFigureOut">
               <a:rPr lang="en-US" smtClean="0"/>
-              <a:t>1/8/2025</a:t>
+              <a:t>1/17/2025</a:t>
             </a:fld>
             <a:endParaRPr lang="en-US"/>
           </a:p>
@@ -25909,7 +26010,7 @@
           <a:p>
             <a:fld id="{76969C88-B244-455D-A017-012B25B1ACDD}" type="datetimeFigureOut">
               <a:rPr lang="en-US" smtClean="0"/>
-              <a:t>1/8/2025</a:t>
+              <a:t>1/17/2025</a:t>
             </a:fld>
             <a:endParaRPr lang="en-US"/>
           </a:p>
@@ -26022,7 +26123,7 @@
           <a:p>
             <a:fld id="{76969C88-B244-455D-A017-012B25B1ACDD}" type="datetimeFigureOut">
               <a:rPr lang="en-US" smtClean="0"/>
-              <a:t>1/8/2025</a:t>
+              <a:t>1/17/2025</a:t>
             </a:fld>
             <a:endParaRPr lang="en-US"/>
           </a:p>
@@ -26334,7 +26435,7 @@
           <a:p>
             <a:fld id="{76969C88-B244-455D-A017-012B25B1ACDD}" type="datetimeFigureOut">
               <a:rPr lang="en-US" smtClean="0"/>
-              <a:t>1/8/2025</a:t>
+              <a:t>1/17/2025</a:t>
             </a:fld>
             <a:endParaRPr lang="en-US"/>
           </a:p>
@@ -26625,7 +26726,7 @@
           <a:p>
             <a:fld id="{76969C88-B244-455D-A017-012B25B1ACDD}" type="datetimeFigureOut">
               <a:rPr lang="en-US" smtClean="0"/>
-              <a:t>1/8/2025</a:t>
+              <a:t>1/17/2025</a:t>
             </a:fld>
             <a:endParaRPr lang="en-US"/>
           </a:p>
@@ -27381,7 +27482,7 @@
             <a:fld id="{76969C88-B244-455D-A017-012B25B1ACDD}" type="datetimeFigureOut">
               <a:rPr lang="en-US" smtClean="0"/>
               <a:pPr/>
-              <a:t>1/8/2025</a:t>
+              <a:t>1/17/2025</a:t>
             </a:fld>
             <a:endParaRPr lang="en-US"/>
           </a:p>
